--- a/docs/CV_SV_2022_V1.pptx
+++ b/docs/CV_SV_2022_V1.pptx
@@ -2833,7 +2833,7 @@
           <a:p>
             <a:fld id="{863FE3A7-EC10-4CB9-8B62-C9C4255F3532}" type="datetimeFigureOut">
               <a:rPr lang="es-CO" smtClean="0"/>
-              <a:t>27/01/2022</a:t>
+              <a:t>29/03/2022</a:t>
             </a:fld>
             <a:endParaRPr lang="es-CO"/>
           </a:p>
@@ -3031,7 +3031,7 @@
           <a:p>
             <a:fld id="{863FE3A7-EC10-4CB9-8B62-C9C4255F3532}" type="datetimeFigureOut">
               <a:rPr lang="es-CO" smtClean="0"/>
-              <a:t>27/01/2022</a:t>
+              <a:t>29/03/2022</a:t>
             </a:fld>
             <a:endParaRPr lang="es-CO"/>
           </a:p>
@@ -3239,7 +3239,7 @@
           <a:p>
             <a:fld id="{863FE3A7-EC10-4CB9-8B62-C9C4255F3532}" type="datetimeFigureOut">
               <a:rPr lang="es-CO" smtClean="0"/>
-              <a:t>27/01/2022</a:t>
+              <a:t>29/03/2022</a:t>
             </a:fld>
             <a:endParaRPr lang="es-CO"/>
           </a:p>
@@ -3437,7 +3437,7 @@
           <a:p>
             <a:fld id="{863FE3A7-EC10-4CB9-8B62-C9C4255F3532}" type="datetimeFigureOut">
               <a:rPr lang="es-CO" smtClean="0"/>
-              <a:t>27/01/2022</a:t>
+              <a:t>29/03/2022</a:t>
             </a:fld>
             <a:endParaRPr lang="es-CO"/>
           </a:p>
@@ -3712,7 +3712,7 @@
           <a:p>
             <a:fld id="{863FE3A7-EC10-4CB9-8B62-C9C4255F3532}" type="datetimeFigureOut">
               <a:rPr lang="es-CO" smtClean="0"/>
-              <a:t>27/01/2022</a:t>
+              <a:t>29/03/2022</a:t>
             </a:fld>
             <a:endParaRPr lang="es-CO"/>
           </a:p>
@@ -3977,7 +3977,7 @@
           <a:p>
             <a:fld id="{863FE3A7-EC10-4CB9-8B62-C9C4255F3532}" type="datetimeFigureOut">
               <a:rPr lang="es-CO" smtClean="0"/>
-              <a:t>27/01/2022</a:t>
+              <a:t>29/03/2022</a:t>
             </a:fld>
             <a:endParaRPr lang="es-CO"/>
           </a:p>
@@ -4389,7 +4389,7 @@
           <a:p>
             <a:fld id="{863FE3A7-EC10-4CB9-8B62-C9C4255F3532}" type="datetimeFigureOut">
               <a:rPr lang="es-CO" smtClean="0"/>
-              <a:t>27/01/2022</a:t>
+              <a:t>29/03/2022</a:t>
             </a:fld>
             <a:endParaRPr lang="es-CO"/>
           </a:p>
@@ -4530,7 +4530,7 @@
           <a:p>
             <a:fld id="{863FE3A7-EC10-4CB9-8B62-C9C4255F3532}" type="datetimeFigureOut">
               <a:rPr lang="es-CO" smtClean="0"/>
-              <a:t>27/01/2022</a:t>
+              <a:t>29/03/2022</a:t>
             </a:fld>
             <a:endParaRPr lang="es-CO"/>
           </a:p>
@@ -4643,7 +4643,7 @@
           <a:p>
             <a:fld id="{863FE3A7-EC10-4CB9-8B62-C9C4255F3532}" type="datetimeFigureOut">
               <a:rPr lang="es-CO" smtClean="0"/>
-              <a:t>27/01/2022</a:t>
+              <a:t>29/03/2022</a:t>
             </a:fld>
             <a:endParaRPr lang="es-CO"/>
           </a:p>
@@ -4954,7 +4954,7 @@
           <a:p>
             <a:fld id="{863FE3A7-EC10-4CB9-8B62-C9C4255F3532}" type="datetimeFigureOut">
               <a:rPr lang="es-CO" smtClean="0"/>
-              <a:t>27/01/2022</a:t>
+              <a:t>29/03/2022</a:t>
             </a:fld>
             <a:endParaRPr lang="es-CO"/>
           </a:p>
@@ -5242,7 +5242,7 @@
           <a:p>
             <a:fld id="{863FE3A7-EC10-4CB9-8B62-C9C4255F3532}" type="datetimeFigureOut">
               <a:rPr lang="es-CO" smtClean="0"/>
-              <a:t>27/01/2022</a:t>
+              <a:t>29/03/2022</a:t>
             </a:fld>
             <a:endParaRPr lang="es-CO"/>
           </a:p>
@@ -5483,7 +5483,7 @@
           <a:p>
             <a:fld id="{863FE3A7-EC10-4CB9-8B62-C9C4255F3532}" type="datetimeFigureOut">
               <a:rPr lang="es-CO" smtClean="0"/>
-              <a:t>27/01/2022</a:t>
+              <a:t>29/03/2022</a:t>
             </a:fld>
             <a:endParaRPr lang="es-CO"/>
           </a:p>
@@ -6338,19 +6338,7 @@
                 <a:rPr lang="en-US" sz="1200" dirty="0">
                   <a:latin typeface="Candara" panose="020E0502030303020204" pitchFamily="34" charset="0"/>
                 </a:rPr>
-                <a:t>Ph.D. candidate at the University of California – Davis working in the Tahoe Environmental Research Center (TERC). Presently working on investigating nearshore physical processes and water quality by applying 3D numerical modeling and large datasets from in-situ observations to understand upwelling dynamics, and inflow transport fate in rotationally influenced lakes.  Previous experience in hydrologic and hydraulic modeling of small lakes and wetlands, and project control and alignment to high standards management protocols.  In search of constant academic and professional growth while working in team. </a:t>
-              </a:r>
-              <a:r>
-                <a:rPr lang="en-US" sz="1200">
-                  <a:latin typeface="Candara" panose="020E0502030303020204" pitchFamily="34" charset="0"/>
-                </a:rPr>
-                <a:t>Entrepreneur with fast </a:t>
-              </a:r>
-              <a:r>
-                <a:rPr lang="en-US" sz="1200" dirty="0">
-                  <a:latin typeface="Candara" panose="020E0502030303020204" pitchFamily="34" charset="0"/>
-                </a:rPr>
-                <a:t>learning and adaptability skills. </a:t>
+                <a:t>Ph.D. candidate at the University of California – Davis working in the Tahoe Environmental Research Center (TERC). Presently working on investigating nearshore physical processes and water quality by applying 3D numerical modeling and large datasets from in-situ observations to understand upwelling dynamics, and inflow transport fate in rotationally influenced lakes.  Previous experience in hydrologic and hydraulic modeling of small lakes and wetlands, and project control and alignment to high standards management protocols.  In search of constant academic and professional growth while working in team. Entrepreneur with fast learning and adaptability skills. </a:t>
               </a:r>
             </a:p>
           </p:txBody>
@@ -10160,7 +10148,7 @@
                 <a:rPr lang="en-US" sz="1200" dirty="0">
                   <a:latin typeface="Candara" panose="020E0502030303020204" pitchFamily="34" charset="0"/>
                 </a:rPr>
-                <a:t>Investigated boat induced sediment resuspension in shallow flows by applying 3D numerical modelling of a recreational boat. </a:t>
+                <a:t>Investigated boat induced sediment resuspension in shallow flows by applying 3D numerical modeling of a recreational boat. </a:t>
               </a:r>
               <a:r>
                 <a:rPr lang="en-US" sz="1200" i="1" dirty="0">

--- a/docs/CV_SV_2022_V1.pptx
+++ b/docs/CV_SV_2022_V1.pptx
@@ -2833,7 +2833,7 @@
           <a:p>
             <a:fld id="{863FE3A7-EC10-4CB9-8B62-C9C4255F3532}" type="datetimeFigureOut">
               <a:rPr lang="es-CO" smtClean="0"/>
-              <a:t>29/03/2022</a:t>
+              <a:t>15/03/2023</a:t>
             </a:fld>
             <a:endParaRPr lang="es-CO"/>
           </a:p>
@@ -3031,7 +3031,7 @@
           <a:p>
             <a:fld id="{863FE3A7-EC10-4CB9-8B62-C9C4255F3532}" type="datetimeFigureOut">
               <a:rPr lang="es-CO" smtClean="0"/>
-              <a:t>29/03/2022</a:t>
+              <a:t>15/03/2023</a:t>
             </a:fld>
             <a:endParaRPr lang="es-CO"/>
           </a:p>
@@ -3239,7 +3239,7 @@
           <a:p>
             <a:fld id="{863FE3A7-EC10-4CB9-8B62-C9C4255F3532}" type="datetimeFigureOut">
               <a:rPr lang="es-CO" smtClean="0"/>
-              <a:t>29/03/2022</a:t>
+              <a:t>15/03/2023</a:t>
             </a:fld>
             <a:endParaRPr lang="es-CO"/>
           </a:p>
@@ -3437,7 +3437,7 @@
           <a:p>
             <a:fld id="{863FE3A7-EC10-4CB9-8B62-C9C4255F3532}" type="datetimeFigureOut">
               <a:rPr lang="es-CO" smtClean="0"/>
-              <a:t>29/03/2022</a:t>
+              <a:t>15/03/2023</a:t>
             </a:fld>
             <a:endParaRPr lang="es-CO"/>
           </a:p>
@@ -3712,7 +3712,7 @@
           <a:p>
             <a:fld id="{863FE3A7-EC10-4CB9-8B62-C9C4255F3532}" type="datetimeFigureOut">
               <a:rPr lang="es-CO" smtClean="0"/>
-              <a:t>29/03/2022</a:t>
+              <a:t>15/03/2023</a:t>
             </a:fld>
             <a:endParaRPr lang="es-CO"/>
           </a:p>
@@ -3977,7 +3977,7 @@
           <a:p>
             <a:fld id="{863FE3A7-EC10-4CB9-8B62-C9C4255F3532}" type="datetimeFigureOut">
               <a:rPr lang="es-CO" smtClean="0"/>
-              <a:t>29/03/2022</a:t>
+              <a:t>15/03/2023</a:t>
             </a:fld>
             <a:endParaRPr lang="es-CO"/>
           </a:p>
@@ -4389,7 +4389,7 @@
           <a:p>
             <a:fld id="{863FE3A7-EC10-4CB9-8B62-C9C4255F3532}" type="datetimeFigureOut">
               <a:rPr lang="es-CO" smtClean="0"/>
-              <a:t>29/03/2022</a:t>
+              <a:t>15/03/2023</a:t>
             </a:fld>
             <a:endParaRPr lang="es-CO"/>
           </a:p>
@@ -4530,7 +4530,7 @@
           <a:p>
             <a:fld id="{863FE3A7-EC10-4CB9-8B62-C9C4255F3532}" type="datetimeFigureOut">
               <a:rPr lang="es-CO" smtClean="0"/>
-              <a:t>29/03/2022</a:t>
+              <a:t>15/03/2023</a:t>
             </a:fld>
             <a:endParaRPr lang="es-CO"/>
           </a:p>
@@ -4643,7 +4643,7 @@
           <a:p>
             <a:fld id="{863FE3A7-EC10-4CB9-8B62-C9C4255F3532}" type="datetimeFigureOut">
               <a:rPr lang="es-CO" smtClean="0"/>
-              <a:t>29/03/2022</a:t>
+              <a:t>15/03/2023</a:t>
             </a:fld>
             <a:endParaRPr lang="es-CO"/>
           </a:p>
@@ -4954,7 +4954,7 @@
           <a:p>
             <a:fld id="{863FE3A7-EC10-4CB9-8B62-C9C4255F3532}" type="datetimeFigureOut">
               <a:rPr lang="es-CO" smtClean="0"/>
-              <a:t>29/03/2022</a:t>
+              <a:t>15/03/2023</a:t>
             </a:fld>
             <a:endParaRPr lang="es-CO"/>
           </a:p>
@@ -5242,7 +5242,7 @@
           <a:p>
             <a:fld id="{863FE3A7-EC10-4CB9-8B62-C9C4255F3532}" type="datetimeFigureOut">
               <a:rPr lang="es-CO" smtClean="0"/>
-              <a:t>29/03/2022</a:t>
+              <a:t>15/03/2023</a:t>
             </a:fld>
             <a:endParaRPr lang="es-CO"/>
           </a:p>
@@ -5483,7 +5483,7 @@
           <a:p>
             <a:fld id="{863FE3A7-EC10-4CB9-8B62-C9C4255F3532}" type="datetimeFigureOut">
               <a:rPr lang="es-CO" smtClean="0"/>
-              <a:t>29/03/2022</a:t>
+              <a:t>15/03/2023</a:t>
             </a:fld>
             <a:endParaRPr lang="es-CO"/>
           </a:p>
@@ -5990,7 +5990,7 @@
                   </a:solidFill>
                   <a:latin typeface="Candara" panose="020E0502030303020204" pitchFamily="34" charset="0"/>
                 </a:rPr>
-                <a:t>M.Sc. Civil Engineer</a:t>
+                <a:t>Ph.D., M.Sc., Civil Engineer</a:t>
               </a:r>
             </a:p>
           </p:txBody>
@@ -6170,7 +6170,7 @@
                 <a:rPr lang="en-US" sz="1200" b="1" dirty="0">
                   <a:latin typeface="Candara" panose="020E0502030303020204" pitchFamily="34" charset="0"/>
                 </a:rPr>
-                <a:t>2018 – Present</a:t>
+                <a:t>2018 – 2022</a:t>
               </a:r>
             </a:p>
             <a:p>
@@ -6338,7 +6338,7 @@
                 <a:rPr lang="en-US" sz="1200" dirty="0">
                   <a:latin typeface="Candara" panose="020E0502030303020204" pitchFamily="34" charset="0"/>
                 </a:rPr>
-                <a:t>Ph.D. candidate at the University of California – Davis working in the Tahoe Environmental Research Center (TERC). Presently working on investigating nearshore physical processes and water quality by applying 3D numerical modeling and large datasets from in-situ observations to understand upwelling dynamics, and inflow transport fate in rotationally influenced lakes.  Previous experience in hydrologic and hydraulic modeling of small lakes and wetlands, and project control and alignment to high standards management protocols.  In search of constant academic and professional growth while working in team. Entrepreneur with fast learning and adaptability skills. </a:t>
+                <a:t>Ph.D. from the University of California – Davis working in the Tahoe Environmental Research Center (TERC). Presently working on investigating nearshore physical processes and water quality by applying 3D numerical modeling and large datasets from in-situ observations to understand upwelling dynamics, and inflow transport fate in rotationally influenced lakes.  Previous experience in hydrologic and hydraulic modeling of small lakes and wetlands, and project control and alignment to high standards management protocols.  In search of constant academic and professional growth while working in team. Entrepreneur with fast learning and adaptability skills. </a:t>
               </a:r>
             </a:p>
           </p:txBody>
